--- a/Final Presentation.pptx
+++ b/Final Presentation.pptx
@@ -6864,7 +6864,7 @@
             </a:pPr>
             <a:r>
               <a:rPr lang="en-US" dirty="0"/>
-              <a:t>USE TRAIN_TEST_SPLIT to create a train set of 10%</a:t>
+              <a:t>USE TRAIN_TEST_SPLIT to create a TEST set of 10%</a:t>
             </a:r>
           </a:p>
           <a:p>
